--- a/report/wzy/drawer.pptx
+++ b/report/wzy/drawer.pptx
@@ -2916,16 +2916,16 @@
       <p:grpSpPr/>
       <p:grpSp>
         <p:nvGrpSpPr>
-          <p:cNvPr id="43" name="组合 42"/>
+          <p:cNvPr id="3" name="组合 2"/>
           <p:cNvGrpSpPr/>
           <p:nvPr/>
         </p:nvGrpSpPr>
         <p:grpSpPr>
           <a:xfrm>
             <a:off x="558165" y="1085850"/>
-            <a:ext cx="11083925" cy="5054600"/>
+            <a:ext cx="11132820" cy="5054600"/>
             <a:chOff x="879" y="1710"/>
-            <a:chExt cx="17455" cy="7960"/>
+            <a:chExt cx="17532" cy="7960"/>
           </a:xfrm>
         </p:grpSpPr>
         <p:sp>
@@ -3805,8 +3805,8 @@
           </p:nvSpPr>
           <p:spPr>
             <a:xfrm>
-              <a:off x="14842" y="3481"/>
-              <a:ext cx="3493" cy="3838"/>
+              <a:off x="14841" y="2556"/>
+              <a:ext cx="3570" cy="4763"/>
             </a:xfrm>
             <a:prstGeom prst="rect">
               <a:avLst/>
@@ -3858,8 +3858,8 @@
           </p:nvSpPr>
           <p:spPr>
             <a:xfrm>
-              <a:off x="15320" y="4328"/>
-              <a:ext cx="2537" cy="545"/>
+              <a:off x="15273" y="3368"/>
+              <a:ext cx="2831" cy="545"/>
             </a:xfrm>
             <a:prstGeom prst="roundRect">
               <a:avLst/>
@@ -3901,8 +3901,8 @@
           </p:nvSpPr>
           <p:spPr>
             <a:xfrm>
-              <a:off x="15320" y="5822"/>
-              <a:ext cx="2537" cy="545"/>
+              <a:off x="15274" y="5818"/>
+              <a:ext cx="2829" cy="545"/>
             </a:xfrm>
             <a:prstGeom prst="roundRect">
               <a:avLst/>
@@ -4067,11 +4067,7 @@
             <a:p>
               <a:r>
                 <a:rPr lang="zh-CN" altLang="en-US"/>
-                <a:t>图像</a:t>
-              </a:r>
-              <a:r>
-                <a:rPr lang="zh-CN" altLang="en-US"/>
-                <a:t>缓存</a:t>
+                <a:t>图像缓存</a:t>
               </a:r>
               <a:endParaRPr lang="zh-CN" altLang="en-US"/>
             </a:p>
@@ -4151,7 +4147,7 @@
           </p:nvSpPr>
           <p:spPr>
             <a:xfrm>
-              <a:off x="12796" y="4328"/>
+              <a:off x="12795" y="3775"/>
               <a:ext cx="2324" cy="543"/>
             </a:xfrm>
             <a:prstGeom prst="leftRightArrow">
@@ -4188,7 +4184,7 @@
           </p:nvSpPr>
           <p:spPr>
             <a:xfrm>
-              <a:off x="13446" y="3893"/>
+              <a:off x="13445" y="3340"/>
               <a:ext cx="1043" cy="580"/>
             </a:xfrm>
             <a:prstGeom prst="rect">
@@ -4357,6 +4353,49 @@
               <a:r>
                 <a:rPr lang="en-US" altLang="zh-CN"/>
                 <a:t>models</a:t>
+              </a:r>
+              <a:endParaRPr lang="en-US" altLang="zh-CN"/>
+            </a:p>
+          </p:txBody>
+        </p:sp>
+        <p:sp>
+          <p:nvSpPr>
+            <p:cNvPr id="2" name="圆角矩形 1"/>
+            <p:cNvSpPr/>
+            <p:nvPr/>
+          </p:nvSpPr>
+          <p:spPr>
+            <a:xfrm>
+              <a:off x="15272" y="4256"/>
+              <a:ext cx="2831" cy="545"/>
+            </a:xfrm>
+            <a:prstGeom prst="roundRect">
+              <a:avLst/>
+            </a:prstGeom>
+          </p:spPr>
+          <p:style>
+            <a:lnRef idx="2">
+              <a:schemeClr val="accent4">
+                <a:shade val="50000"/>
+              </a:schemeClr>
+            </a:lnRef>
+            <a:fillRef idx="1">
+              <a:schemeClr val="accent4"/>
+            </a:fillRef>
+            <a:effectRef idx="0">
+              <a:schemeClr val="accent4"/>
+            </a:effectRef>
+            <a:fontRef idx="minor">
+              <a:schemeClr val="lt1"/>
+            </a:fontRef>
+          </p:style>
+          <p:txBody>
+            <a:bodyPr rtlCol="0" anchor="ctr"/>
+            <a:p>
+              <a:pPr algn="ctr"/>
+              <a:r>
+                <a:rPr lang="en-US" altLang="zh-CN"/>
+                <a:t>ImgPoemSearch</a:t>
               </a:r>
               <a:endParaRPr lang="en-US" altLang="zh-CN"/>
             </a:p>
